--- a/02.PPT/Ch1-绪论/C++_绪论1.pptx
+++ b/02.PPT/Ch1-绪论/C++_绪论1.pptx
@@ -6,10 +6,10 @@
     <p:sldMasterId id="2147483656" r:id="rId2"/>
   </p:sldMasterIdLst>
   <p:notesMasterIdLst>
-    <p:notesMasterId r:id="rId26"/>
+    <p:notesMasterId r:id="rId27"/>
   </p:notesMasterIdLst>
   <p:handoutMasterIdLst>
-    <p:handoutMasterId r:id="rId27"/>
+    <p:handoutMasterId r:id="rId28"/>
   </p:handoutMasterIdLst>
   <p:sldIdLst>
     <p:sldId id="588" r:id="rId3"/>
@@ -25,16 +25,17 @@
     <p:sldId id="705" r:id="rId13"/>
     <p:sldId id="701" r:id="rId14"/>
     <p:sldId id="702" r:id="rId15"/>
-    <p:sldId id="704" r:id="rId16"/>
-    <p:sldId id="710" r:id="rId17"/>
-    <p:sldId id="706" r:id="rId18"/>
-    <p:sldId id="707" r:id="rId19"/>
-    <p:sldId id="708" r:id="rId20"/>
-    <p:sldId id="709" r:id="rId21"/>
-    <p:sldId id="711" r:id="rId22"/>
-    <p:sldId id="712" r:id="rId23"/>
-    <p:sldId id="703" r:id="rId24"/>
-    <p:sldId id="713" r:id="rId25"/>
+    <p:sldId id="714" r:id="rId16"/>
+    <p:sldId id="704" r:id="rId17"/>
+    <p:sldId id="710" r:id="rId18"/>
+    <p:sldId id="706" r:id="rId19"/>
+    <p:sldId id="707" r:id="rId20"/>
+    <p:sldId id="708" r:id="rId21"/>
+    <p:sldId id="709" r:id="rId22"/>
+    <p:sldId id="711" r:id="rId23"/>
+    <p:sldId id="712" r:id="rId24"/>
+    <p:sldId id="703" r:id="rId25"/>
+    <p:sldId id="713" r:id="rId26"/>
   </p:sldIdLst>
   <p:sldSz cx="9144000" cy="6858000" type="screen4x3"/>
   <p:notesSz cx="6743700" cy="9906000"/>
@@ -1200,14 +1201,58 @@
           <a:bodyPr/>
           <a:lstStyle/>
           <a:p>
-            <a:endParaRPr lang="zh-CN" altLang="en-US" dirty="0"/>
+            <a:r>
+              <a:rPr lang="en-US" altLang="zh-CN" dirty="0" smtClean="0"/>
+              <a:t>- </a:t>
+            </a:r>
+            <a:r>
+              <a:rPr lang="zh-CN" altLang="en-US" dirty="0" smtClean="0"/>
+              <a:t>常规的学习路径</a:t>
+            </a:r>
+          </a:p>
+          <a:p>
+            <a:r>
+              <a:rPr lang="zh-CN" altLang="en-US" dirty="0" smtClean="0"/>
+              <a:t> 语法 </a:t>
+            </a:r>
+            <a:r>
+              <a:rPr lang="en-US" altLang="zh-CN" dirty="0" smtClean="0"/>
+              <a:t>-&gt; </a:t>
+            </a:r>
+            <a:r>
+              <a:rPr lang="zh-CN" altLang="en-US" dirty="0" smtClean="0"/>
+              <a:t>程序片 </a:t>
+            </a:r>
+            <a:r>
+              <a:rPr lang="en-US" altLang="zh-CN" dirty="0" smtClean="0"/>
+              <a:t>-&gt; </a:t>
+            </a:r>
+            <a:r>
+              <a:rPr lang="zh-CN" altLang="en-US" dirty="0" smtClean="0"/>
+              <a:t>设计思想 </a:t>
+            </a:r>
+            <a:r>
+              <a:rPr lang="en-US" altLang="zh-CN" dirty="0" smtClean="0"/>
+              <a:t>-&gt; C++</a:t>
+            </a:r>
+            <a:r>
+              <a:rPr lang="zh-CN" altLang="en-US" dirty="0" smtClean="0"/>
+              <a:t>项目 </a:t>
+            </a:r>
+            <a:r>
+              <a:rPr lang="en-US" altLang="zh-CN" smtClean="0"/>
+              <a:t>-&gt; </a:t>
+            </a:r>
+          </a:p>
+          <a:p>
+            <a:endParaRPr lang="zh-CN" altLang="en-US"/>
           </a:p>
         </p:txBody>
       </p:sp>
     </p:spTree>
     <p:extLst>
       <p:ext uri="{BB962C8B-B14F-4D97-AF65-F5344CB8AC3E}">
-        <p14:creationId xmlns:p14="http://schemas.microsoft.com/office/powerpoint/2010/main" val="2831510595"/>
+        <p14:creationId xmlns:p14="http://schemas.microsoft.com/office/powerpoint/2010/main" val="2723315056"/>
       </p:ext>
     </p:extLst>
   </p:cSld>
@@ -1261,6 +1306,67 @@
           <a:bodyPr/>
           <a:lstStyle/>
           <a:p>
+            <a:endParaRPr lang="zh-CN" altLang="en-US" dirty="0"/>
+          </a:p>
+        </p:txBody>
+      </p:sp>
+    </p:spTree>
+    <p:extLst>
+      <p:ext uri="{BB962C8B-B14F-4D97-AF65-F5344CB8AC3E}">
+        <p14:creationId xmlns:p14="http://schemas.microsoft.com/office/powerpoint/2010/main" val="2831510595"/>
+      </p:ext>
+    </p:extLst>
+  </p:cSld>
+  <p:clrMapOvr>
+    <a:masterClrMapping/>
+  </p:clrMapOvr>
+</p:notes>
+</file>
+
+<file path=ppt/notesSlides/notesSlide8.xml><?xml version="1.0" encoding="utf-8"?>
+<p:notes xmlns:a="http://schemas.openxmlformats.org/drawingml/2006/main" xmlns:r="http://schemas.openxmlformats.org/officeDocument/2006/relationships" xmlns:p="http://schemas.openxmlformats.org/presentationml/2006/main">
+  <p:cSld>
+    <p:spTree>
+      <p:nvGrpSpPr>
+        <p:cNvPr id="1" name=""/>
+        <p:cNvGrpSpPr/>
+        <p:nvPr/>
+      </p:nvGrpSpPr>
+      <p:grpSpPr>
+        <a:xfrm>
+          <a:off x="0" y="0"/>
+          <a:ext cx="0" cy="0"/>
+          <a:chOff x="0" y="0"/>
+          <a:chExt cx="0" cy="0"/>
+        </a:xfrm>
+      </p:grpSpPr>
+      <p:sp>
+        <p:nvSpPr>
+          <p:cNvPr id="2" name="幻灯片图像占位符 1"/>
+          <p:cNvSpPr>
+            <a:spLocks noGrp="1" noRot="1" noChangeAspect="1"/>
+          </p:cNvSpPr>
+          <p:nvPr>
+            <p:ph type="sldImg"/>
+          </p:nvPr>
+        </p:nvSpPr>
+        <p:spPr/>
+      </p:sp>
+      <p:sp>
+        <p:nvSpPr>
+          <p:cNvPr id="3" name="备注占位符 2"/>
+          <p:cNvSpPr>
+            <a:spLocks noGrp="1"/>
+          </p:cNvSpPr>
+          <p:nvPr>
+            <p:ph type="body" idx="1"/>
+          </p:nvPr>
+        </p:nvSpPr>
+        <p:spPr/>
+        <p:txBody>
+          <a:bodyPr/>
+          <a:lstStyle/>
+          <a:p>
             <a:pPr marL="171450" indent="-171450">
               <a:buFontTx/>
               <a:buChar char="-"/>
@@ -1350,7 +1456,7 @@
 </p:notes>
 </file>
 
-<file path=ppt/notesSlides/notesSlide8.xml><?xml version="1.0" encoding="utf-8"?>
+<file path=ppt/notesSlides/notesSlide9.xml><?xml version="1.0" encoding="utf-8"?>
 <p:notes xmlns:a="http://schemas.openxmlformats.org/drawingml/2006/main" xmlns:r="http://schemas.openxmlformats.org/officeDocument/2006/relationships" xmlns:p="http://schemas.openxmlformats.org/presentationml/2006/main">
   <p:cSld>
     <p:spTree>
@@ -10291,6 +10397,298 @@
           <a:p>
             <a:r>
               <a:rPr lang="zh-CN" altLang="en-US" dirty="0" smtClean="0"/>
+              <a:t>学习</a:t>
+            </a:r>
+            <a:r>
+              <a:rPr lang="en-US" altLang="zh-CN" dirty="0" smtClean="0"/>
+              <a:t>C++</a:t>
+            </a:r>
+            <a:r>
+              <a:rPr lang="zh-CN" altLang="en-US" dirty="0" smtClean="0"/>
+              <a:t>的路线图</a:t>
+            </a:r>
+            <a:endParaRPr lang="zh-CN" altLang="en-US" dirty="0"/>
+          </a:p>
+        </p:txBody>
+      </p:sp>
+      <p:sp>
+        <p:nvSpPr>
+          <p:cNvPr id="3" name="内容占位符 2"/>
+          <p:cNvSpPr>
+            <a:spLocks noGrp="1"/>
+          </p:cNvSpPr>
+          <p:nvPr>
+            <p:ph idx="1"/>
+          </p:nvPr>
+        </p:nvSpPr>
+        <p:spPr/>
+        <p:txBody>
+          <a:bodyPr/>
+          <a:lstStyle/>
+          <a:p>
+            <a:r>
+              <a:rPr lang="zh-CN" altLang="en-US" dirty="0" smtClean="0">
+                <a:solidFill>
+                  <a:srgbClr val="FF0000"/>
+                </a:solidFill>
+              </a:rPr>
+              <a:t>简单</a:t>
+            </a:r>
+            <a:r>
+              <a:rPr lang="zh-CN" altLang="en-US" dirty="0">
+                <a:solidFill>
+                  <a:srgbClr val="FF0000"/>
+                </a:solidFill>
+              </a:rPr>
+              <a:t>程序 </a:t>
+            </a:r>
+            <a:r>
+              <a:rPr lang="en-US" altLang="zh-CN" dirty="0"/>
+              <a:t>-&gt;  </a:t>
+            </a:r>
+            <a:r>
+              <a:rPr lang="zh-CN" altLang="en-US" dirty="0" smtClean="0"/>
+              <a:t>熟悉简单程序的框架</a:t>
+            </a:r>
+            <a:endParaRPr lang="en-US" altLang="zh-CN" dirty="0" smtClean="0"/>
+          </a:p>
+          <a:p>
+            <a:r>
+              <a:rPr lang="zh-CN" altLang="en-US" dirty="0">
+                <a:solidFill>
+                  <a:srgbClr val="FF0000"/>
+                </a:solidFill>
+              </a:rPr>
+              <a:t>标准</a:t>
+            </a:r>
+            <a:r>
+              <a:rPr lang="zh-CN" altLang="en-US" dirty="0">
+                <a:solidFill>
+                  <a:srgbClr val="FF0000"/>
+                </a:solidFill>
+              </a:rPr>
+              <a:t>库</a:t>
+            </a:r>
+            <a:r>
+              <a:rPr lang="zh-CN" altLang="en-US" dirty="0"/>
+              <a:t>  </a:t>
+            </a:r>
+            <a:r>
+              <a:rPr lang="en-US" altLang="zh-CN" dirty="0"/>
+              <a:t>-&gt;  </a:t>
+            </a:r>
+            <a:r>
+              <a:rPr lang="zh-CN" altLang="en-US" dirty="0" smtClean="0"/>
+              <a:t>模仿，入门要正，从优秀库开始</a:t>
+            </a:r>
+            <a:endParaRPr lang="en-US" altLang="zh-CN" dirty="0" smtClean="0"/>
+          </a:p>
+          <a:p>
+            <a:r>
+              <a:rPr lang="zh-CN" altLang="en-US" dirty="0">
+                <a:solidFill>
+                  <a:srgbClr val="FF0000"/>
+                </a:solidFill>
+              </a:rPr>
+              <a:t>小规模</a:t>
+            </a:r>
+            <a:r>
+              <a:rPr lang="zh-CN" altLang="en-US" dirty="0">
+                <a:solidFill>
+                  <a:srgbClr val="FF0000"/>
+                </a:solidFill>
+              </a:rPr>
+              <a:t>的程序</a:t>
+            </a:r>
+            <a:r>
+              <a:rPr lang="zh-CN" altLang="en-US" dirty="0"/>
+              <a:t> </a:t>
+            </a:r>
+            <a:r>
+              <a:rPr lang="en-US" altLang="zh-CN" dirty="0"/>
+              <a:t>-&gt; </a:t>
+            </a:r>
+            <a:r>
+              <a:rPr lang="zh-CN" altLang="en-US" dirty="0" smtClean="0"/>
+              <a:t>通过写小程序，建立成就感</a:t>
+            </a:r>
+            <a:r>
+              <a:rPr lang="en-US" altLang="zh-CN" dirty="0" smtClean="0"/>
+              <a:t> </a:t>
+            </a:r>
+          </a:p>
+          <a:p>
+            <a:r>
+              <a:rPr lang="zh-CN" altLang="en-US" dirty="0">
+                <a:solidFill>
+                  <a:srgbClr val="FF0000"/>
+                </a:solidFill>
+              </a:rPr>
+              <a:t>量变</a:t>
+            </a:r>
+            <a:r>
+              <a:rPr lang="zh-CN" altLang="en-US" dirty="0">
+                <a:solidFill>
+                  <a:srgbClr val="FF0000"/>
+                </a:solidFill>
+              </a:rPr>
+              <a:t>到质变 </a:t>
+            </a:r>
+            <a:r>
+              <a:rPr lang="en-US" altLang="zh-CN" dirty="0" smtClean="0"/>
+              <a:t>-&gt; </a:t>
+            </a:r>
+            <a:r>
+              <a:rPr lang="zh-CN" altLang="en-US" dirty="0" smtClean="0"/>
+              <a:t>大量的积累</a:t>
+            </a:r>
+            <a:endParaRPr lang="en-US" altLang="zh-CN" dirty="0" smtClean="0"/>
+          </a:p>
+          <a:p>
+            <a:r>
+              <a:rPr lang="zh-CN" altLang="en-US" dirty="0">
+                <a:solidFill>
+                  <a:srgbClr val="FF0000"/>
+                </a:solidFill>
+              </a:rPr>
+              <a:t>建立</a:t>
+            </a:r>
+            <a:r>
+              <a:rPr lang="zh-CN" altLang="en-US" dirty="0">
+                <a:solidFill>
+                  <a:srgbClr val="FF0000"/>
+                </a:solidFill>
+              </a:rPr>
+              <a:t>面向对象思想 </a:t>
+            </a:r>
+            <a:r>
+              <a:rPr lang="en-US" altLang="zh-CN" dirty="0" smtClean="0"/>
+              <a:t>-&gt; </a:t>
+            </a:r>
+            <a:r>
+              <a:rPr lang="zh-CN" altLang="en-US" dirty="0" smtClean="0"/>
+              <a:t>通过模仿，写程序</a:t>
+            </a:r>
+            <a:endParaRPr lang="en-US" altLang="zh-CN" dirty="0" smtClean="0"/>
+          </a:p>
+          <a:p>
+            <a:r>
+              <a:rPr lang="zh-CN" altLang="en-US" dirty="0">
+                <a:solidFill>
+                  <a:srgbClr val="FF0000"/>
+                </a:solidFill>
+              </a:rPr>
+              <a:t>设计</a:t>
+            </a:r>
+            <a:r>
+              <a:rPr lang="zh-CN" altLang="en-US" dirty="0">
+                <a:solidFill>
+                  <a:srgbClr val="FF0000"/>
+                </a:solidFill>
+              </a:rPr>
+              <a:t>自己的类  </a:t>
+            </a:r>
+            <a:r>
+              <a:rPr lang="en-US" altLang="zh-CN" dirty="0"/>
+              <a:t>-&gt; </a:t>
+            </a:r>
+            <a:r>
+              <a:rPr lang="zh-CN" altLang="en-US" dirty="0" smtClean="0"/>
+              <a:t>转换问题</a:t>
+            </a:r>
+            <a:endParaRPr lang="en-US" altLang="zh-CN" dirty="0" smtClean="0"/>
+          </a:p>
+          <a:p>
+            <a:r>
+              <a:rPr lang="zh-CN" altLang="en-US" dirty="0">
+                <a:solidFill>
+                  <a:srgbClr val="FF0000"/>
+                </a:solidFill>
+              </a:rPr>
+              <a:t>迈向</a:t>
+            </a:r>
+            <a:r>
+              <a:rPr lang="zh-CN" altLang="en-US" dirty="0">
+                <a:solidFill>
+                  <a:srgbClr val="FF0000"/>
+                </a:solidFill>
+              </a:rPr>
+              <a:t>大型</a:t>
+            </a:r>
+            <a:r>
+              <a:rPr lang="zh-CN" altLang="en-US" dirty="0">
+                <a:solidFill>
+                  <a:srgbClr val="FF0000"/>
+                </a:solidFill>
+              </a:rPr>
+              <a:t>开发 </a:t>
+            </a:r>
+            <a:r>
+              <a:rPr lang="en-US" altLang="zh-CN" dirty="0" smtClean="0"/>
+              <a:t>-&gt;</a:t>
+            </a:r>
+            <a:r>
+              <a:rPr lang="zh-CN" altLang="en-US" smtClean="0"/>
+              <a:t> </a:t>
+            </a:r>
+            <a:r>
+              <a:rPr lang="zh-CN" altLang="en-US" smtClean="0"/>
+              <a:t>积累经验</a:t>
+            </a:r>
+            <a:endParaRPr lang="zh-CN" altLang="en-US" dirty="0"/>
+          </a:p>
+        </p:txBody>
+      </p:sp>
+    </p:spTree>
+    <p:extLst>
+      <p:ext uri="{BB962C8B-B14F-4D97-AF65-F5344CB8AC3E}">
+        <p14:creationId xmlns:p14="http://schemas.microsoft.com/office/powerpoint/2010/main" val="1261375086"/>
+      </p:ext>
+    </p:extLst>
+  </p:cSld>
+  <p:clrMapOvr>
+    <a:masterClrMapping/>
+  </p:clrMapOvr>
+  <p:transition>
+    <p:pull dir="ru"/>
+  </p:transition>
+</p:sld>
+</file>
+
+<file path=ppt/slides/slide15.xml><?xml version="1.0" encoding="utf-8"?>
+<p:sld xmlns:a="http://schemas.openxmlformats.org/drawingml/2006/main" xmlns:r="http://schemas.openxmlformats.org/officeDocument/2006/relationships" xmlns:p="http://schemas.openxmlformats.org/presentationml/2006/main">
+  <p:cSld>
+    <p:spTree>
+      <p:nvGrpSpPr>
+        <p:cNvPr id="1" name=""/>
+        <p:cNvGrpSpPr/>
+        <p:nvPr/>
+      </p:nvGrpSpPr>
+      <p:grpSpPr>
+        <a:xfrm>
+          <a:off x="0" y="0"/>
+          <a:ext cx="0" cy="0"/>
+          <a:chOff x="0" y="0"/>
+          <a:chExt cx="0" cy="0"/>
+        </a:xfrm>
+      </p:grpSpPr>
+      <p:sp>
+        <p:nvSpPr>
+          <p:cNvPr id="2" name="标题 1"/>
+          <p:cNvSpPr>
+            <a:spLocks noGrp="1"/>
+          </p:cNvSpPr>
+          <p:nvPr>
+            <p:ph type="title"/>
+          </p:nvPr>
+        </p:nvSpPr>
+        <p:spPr/>
+        <p:txBody>
+          <a:bodyPr/>
+          <a:lstStyle/>
+          <a:p>
+            <a:r>
+              <a:rPr lang="zh-CN" altLang="en-US" dirty="0" smtClean="0"/>
               <a:t>程序设计入门</a:t>
             </a:r>
             <a:r>
@@ -10810,7 +11208,7 @@
 </p:sld>
 </file>
 
-<file path=ppt/slides/slide15.xml><?xml version="1.0" encoding="utf-8"?>
+<file path=ppt/slides/slide16.xml><?xml version="1.0" encoding="utf-8"?>
 <p:sld xmlns:a="http://schemas.openxmlformats.org/drawingml/2006/main" xmlns:r="http://schemas.openxmlformats.org/officeDocument/2006/relationships" xmlns:p="http://schemas.openxmlformats.org/presentationml/2006/main">
   <p:cSld>
     <p:spTree>
@@ -11167,7 +11565,7 @@
 </p:sld>
 </file>
 
-<file path=ppt/slides/slide16.xml><?xml version="1.0" encoding="utf-8"?>
+<file path=ppt/slides/slide17.xml><?xml version="1.0" encoding="utf-8"?>
 <p:sld xmlns:a="http://schemas.openxmlformats.org/drawingml/2006/main" xmlns:r="http://schemas.openxmlformats.org/officeDocument/2006/relationships" xmlns:p="http://schemas.openxmlformats.org/presentationml/2006/main">
   <p:cSld>
     <p:spTree>
@@ -11485,7 +11883,7 @@
 </p:sld>
 </file>
 
-<file path=ppt/slides/slide17.xml><?xml version="1.0" encoding="utf-8"?>
+<file path=ppt/slides/slide18.xml><?xml version="1.0" encoding="utf-8"?>
 <p:sld xmlns:a="http://schemas.openxmlformats.org/drawingml/2006/main" xmlns:r="http://schemas.openxmlformats.org/officeDocument/2006/relationships" xmlns:p="http://schemas.openxmlformats.org/presentationml/2006/main">
   <p:cSld>
     <p:spTree>
@@ -11841,7 +12239,7 @@
 </p:sld>
 </file>
 
-<file path=ppt/slides/slide18.xml><?xml version="1.0" encoding="utf-8"?>
+<file path=ppt/slides/slide19.xml><?xml version="1.0" encoding="utf-8"?>
 <p:sld xmlns:a="http://schemas.openxmlformats.org/drawingml/2006/main" xmlns:r="http://schemas.openxmlformats.org/officeDocument/2006/relationships" xmlns:p="http://schemas.openxmlformats.org/presentationml/2006/main">
   <p:cSld>
     <p:spTree>
@@ -12158,7 +12556,115 @@
 </p:sld>
 </file>
 
-<file path=ppt/slides/slide19.xml><?xml version="1.0" encoding="utf-8"?>
+<file path=ppt/slides/slide2.xml><?xml version="1.0" encoding="utf-8"?>
+<p:sld xmlns:a="http://schemas.openxmlformats.org/drawingml/2006/main" xmlns:r="http://schemas.openxmlformats.org/officeDocument/2006/relationships" xmlns:p="http://schemas.openxmlformats.org/presentationml/2006/main">
+  <p:cSld>
+    <p:spTree>
+      <p:nvGrpSpPr>
+        <p:cNvPr id="1" name=""/>
+        <p:cNvGrpSpPr/>
+        <p:nvPr/>
+      </p:nvGrpSpPr>
+      <p:grpSpPr>
+        <a:xfrm>
+          <a:off x="0" y="0"/>
+          <a:ext cx="0" cy="0"/>
+          <a:chOff x="0" y="0"/>
+          <a:chExt cx="0" cy="0"/>
+        </a:xfrm>
+      </p:grpSpPr>
+      <p:sp>
+        <p:nvSpPr>
+          <p:cNvPr id="6146" name="Rectangle 2"/>
+          <p:cNvSpPr>
+            <a:spLocks noGrp="1" noChangeArrowheads="1"/>
+          </p:cNvSpPr>
+          <p:nvPr>
+            <p:ph type="title"/>
+          </p:nvPr>
+        </p:nvSpPr>
+        <p:spPr/>
+        <p:txBody>
+          <a:bodyPr/>
+          <a:lstStyle/>
+          <a:p>
+            <a:r>
+              <a:rPr lang="zh-CN" altLang="en-US" dirty="0" smtClean="0">
+                <a:ea typeface="楷体_GB2312" pitchFamily="49" charset="-122"/>
+              </a:rPr>
+              <a:t>内容提要</a:t>
+            </a:r>
+            <a:endParaRPr lang="en-US" altLang="zh-CN" dirty="0" smtClean="0">
+              <a:ea typeface="楷体_GB2312" pitchFamily="49" charset="-122"/>
+            </a:endParaRPr>
+          </a:p>
+        </p:txBody>
+      </p:sp>
+      <p:sp>
+        <p:nvSpPr>
+          <p:cNvPr id="6147" name="Rectangle 3"/>
+          <p:cNvSpPr>
+            <a:spLocks noGrp="1" noChangeArrowheads="1"/>
+          </p:cNvSpPr>
+          <p:nvPr>
+            <p:ph type="body" idx="1"/>
+          </p:nvPr>
+        </p:nvSpPr>
+        <p:spPr/>
+        <p:txBody>
+          <a:bodyPr/>
+          <a:lstStyle/>
+          <a:p>
+            <a:pPr marL="609600" indent="-609600">
+              <a:buFont typeface="Wingdings" pitchFamily="2" charset="2"/>
+              <a:buChar char="n"/>
+            </a:pPr>
+            <a:r>
+              <a:rPr lang="zh-CN" altLang="en-US" sz="2800" dirty="0" smtClean="0">
+                <a:latin typeface="楷体_GB2312" pitchFamily="49" charset="-122"/>
+                <a:ea typeface="楷体_GB2312" pitchFamily="49" charset="-122"/>
+              </a:rPr>
+              <a:t>关于课程</a:t>
+            </a:r>
+          </a:p>
+          <a:p>
+            <a:pPr marL="609600" indent="-609600">
+              <a:buFont typeface="Wingdings" pitchFamily="2" charset="2"/>
+              <a:buChar char="n"/>
+            </a:pPr>
+            <a:r>
+              <a:rPr lang="zh-CN" altLang="en-US" sz="2800" dirty="0" smtClean="0">
+                <a:latin typeface="楷体_GB2312" pitchFamily="49" charset="-122"/>
+                <a:ea typeface="楷体_GB2312" pitchFamily="49" charset="-122"/>
+              </a:rPr>
+              <a:t>学习方式</a:t>
+            </a:r>
+            <a:endParaRPr lang="en-US" altLang="zh-CN" sz="2800" dirty="0" smtClean="0">
+              <a:latin typeface="楷体_GB2312" pitchFamily="49" charset="-122"/>
+              <a:ea typeface="楷体_GB2312" pitchFamily="49" charset="-122"/>
+            </a:endParaRPr>
+          </a:p>
+        </p:txBody>
+      </p:sp>
+    </p:spTree>
+  </p:cSld>
+  <p:clrMapOvr>
+    <a:masterClrMapping/>
+  </p:clrMapOvr>
+  <p:transition>
+    <p:pull dir="ru"/>
+  </p:transition>
+  <p:timing>
+    <p:tnLst>
+      <p:par>
+        <p:cTn id="1" dur="indefinite" restart="never" nodeType="tmRoot"/>
+      </p:par>
+    </p:tnLst>
+  </p:timing>
+</p:sld>
+</file>
+
+<file path=ppt/slides/slide20.xml><?xml version="1.0" encoding="utf-8"?>
 <p:sld xmlns:a="http://schemas.openxmlformats.org/drawingml/2006/main" xmlns:r="http://schemas.openxmlformats.org/officeDocument/2006/relationships" xmlns:p="http://schemas.openxmlformats.org/presentationml/2006/main">
   <p:cSld>
     <p:spTree>
@@ -12506,372 +13012,6 @@
 </p:sld>
 </file>
 
-<file path=ppt/slides/slide2.xml><?xml version="1.0" encoding="utf-8"?>
-<p:sld xmlns:a="http://schemas.openxmlformats.org/drawingml/2006/main" xmlns:r="http://schemas.openxmlformats.org/officeDocument/2006/relationships" xmlns:p="http://schemas.openxmlformats.org/presentationml/2006/main">
-  <p:cSld>
-    <p:spTree>
-      <p:nvGrpSpPr>
-        <p:cNvPr id="1" name=""/>
-        <p:cNvGrpSpPr/>
-        <p:nvPr/>
-      </p:nvGrpSpPr>
-      <p:grpSpPr>
-        <a:xfrm>
-          <a:off x="0" y="0"/>
-          <a:ext cx="0" cy="0"/>
-          <a:chOff x="0" y="0"/>
-          <a:chExt cx="0" cy="0"/>
-        </a:xfrm>
-      </p:grpSpPr>
-      <p:sp>
-        <p:nvSpPr>
-          <p:cNvPr id="6146" name="Rectangle 2"/>
-          <p:cNvSpPr>
-            <a:spLocks noGrp="1" noChangeArrowheads="1"/>
-          </p:cNvSpPr>
-          <p:nvPr>
-            <p:ph type="title"/>
-          </p:nvPr>
-        </p:nvSpPr>
-        <p:spPr/>
-        <p:txBody>
-          <a:bodyPr/>
-          <a:lstStyle/>
-          <a:p>
-            <a:r>
-              <a:rPr lang="zh-CN" altLang="en-US" dirty="0" smtClean="0">
-                <a:ea typeface="楷体_GB2312" pitchFamily="49" charset="-122"/>
-              </a:rPr>
-              <a:t>内容提要</a:t>
-            </a:r>
-            <a:endParaRPr lang="en-US" altLang="zh-CN" dirty="0" smtClean="0">
-              <a:ea typeface="楷体_GB2312" pitchFamily="49" charset="-122"/>
-            </a:endParaRPr>
-          </a:p>
-        </p:txBody>
-      </p:sp>
-      <p:sp>
-        <p:nvSpPr>
-          <p:cNvPr id="6147" name="Rectangle 3"/>
-          <p:cNvSpPr>
-            <a:spLocks noGrp="1" noChangeArrowheads="1"/>
-          </p:cNvSpPr>
-          <p:nvPr>
-            <p:ph type="body" idx="1"/>
-          </p:nvPr>
-        </p:nvSpPr>
-        <p:spPr/>
-        <p:txBody>
-          <a:bodyPr/>
-          <a:lstStyle/>
-          <a:p>
-            <a:pPr marL="609600" indent="-609600">
-              <a:buFont typeface="Wingdings" pitchFamily="2" charset="2"/>
-              <a:buChar char="n"/>
-            </a:pPr>
-            <a:r>
-              <a:rPr lang="zh-CN" altLang="en-US" sz="2800" dirty="0" smtClean="0">
-                <a:latin typeface="楷体_GB2312" pitchFamily="49" charset="-122"/>
-                <a:ea typeface="楷体_GB2312" pitchFamily="49" charset="-122"/>
-              </a:rPr>
-              <a:t>关于课程</a:t>
-            </a:r>
-          </a:p>
-          <a:p>
-            <a:pPr marL="609600" indent="-609600">
-              <a:buFont typeface="Wingdings" pitchFamily="2" charset="2"/>
-              <a:buChar char="n"/>
-            </a:pPr>
-            <a:r>
-              <a:rPr lang="zh-CN" altLang="en-US" sz="2800" dirty="0" smtClean="0">
-                <a:latin typeface="楷体_GB2312" pitchFamily="49" charset="-122"/>
-                <a:ea typeface="楷体_GB2312" pitchFamily="49" charset="-122"/>
-              </a:rPr>
-              <a:t>学习方式</a:t>
-            </a:r>
-            <a:endParaRPr lang="en-US" altLang="zh-CN" sz="2800" dirty="0" smtClean="0">
-              <a:latin typeface="楷体_GB2312" pitchFamily="49" charset="-122"/>
-              <a:ea typeface="楷体_GB2312" pitchFamily="49" charset="-122"/>
-            </a:endParaRPr>
-          </a:p>
-        </p:txBody>
-      </p:sp>
-    </p:spTree>
-  </p:cSld>
-  <p:clrMapOvr>
-    <a:masterClrMapping/>
-  </p:clrMapOvr>
-  <p:transition>
-    <p:pull dir="ru"/>
-  </p:transition>
-  <p:timing>
-    <p:tnLst>
-      <p:par>
-        <p:cTn id="1" dur="indefinite" restart="never" nodeType="tmRoot"/>
-      </p:par>
-    </p:tnLst>
-  </p:timing>
-</p:sld>
-</file>
-
-<file path=ppt/slides/slide20.xml><?xml version="1.0" encoding="utf-8"?>
-<p:sld xmlns:a="http://schemas.openxmlformats.org/drawingml/2006/main" xmlns:r="http://schemas.openxmlformats.org/officeDocument/2006/relationships" xmlns:p="http://schemas.openxmlformats.org/presentationml/2006/main">
-  <p:cSld>
-    <p:spTree>
-      <p:nvGrpSpPr>
-        <p:cNvPr id="1" name=""/>
-        <p:cNvGrpSpPr/>
-        <p:nvPr/>
-      </p:nvGrpSpPr>
-      <p:grpSpPr>
-        <a:xfrm>
-          <a:off x="0" y="0"/>
-          <a:ext cx="0" cy="0"/>
-          <a:chOff x="0" y="0"/>
-          <a:chExt cx="0" cy="0"/>
-        </a:xfrm>
-      </p:grpSpPr>
-      <p:sp>
-        <p:nvSpPr>
-          <p:cNvPr id="2" name="标题 1"/>
-          <p:cNvSpPr>
-            <a:spLocks noGrp="1"/>
-          </p:cNvSpPr>
-          <p:nvPr>
-            <p:ph type="title"/>
-          </p:nvPr>
-        </p:nvSpPr>
-        <p:spPr/>
-        <p:txBody>
-          <a:bodyPr/>
-          <a:lstStyle/>
-          <a:p>
-            <a:r>
-              <a:rPr lang="zh-CN" altLang="en-US" dirty="0"/>
-              <a:t>程序设计入门</a:t>
-            </a:r>
-            <a:r>
-              <a:rPr lang="en-US" altLang="zh-CN" dirty="0"/>
-              <a:t>——</a:t>
-            </a:r>
-            <a:r>
-              <a:rPr lang="zh-CN" altLang="en-US" dirty="0"/>
-              <a:t>几点</a:t>
-            </a:r>
-            <a:r>
-              <a:rPr lang="zh-CN" altLang="en-US" dirty="0" smtClean="0"/>
-              <a:t>忠告（续）</a:t>
-            </a:r>
-            <a:endParaRPr lang="zh-CN" altLang="en-US" dirty="0"/>
-          </a:p>
-        </p:txBody>
-      </p:sp>
-      <p:sp>
-        <p:nvSpPr>
-          <p:cNvPr id="3" name="内容占位符 2"/>
-          <p:cNvSpPr>
-            <a:spLocks noGrp="1"/>
-          </p:cNvSpPr>
-          <p:nvPr>
-            <p:ph idx="1"/>
-          </p:nvPr>
-        </p:nvSpPr>
-        <p:spPr/>
-        <p:txBody>
-          <a:bodyPr/>
-          <a:lstStyle/>
-          <a:p>
-            <a:r>
-              <a:rPr lang="zh-CN" altLang="en-US" dirty="0" smtClean="0"/>
-              <a:t>学好英语</a:t>
-            </a:r>
-            <a:endParaRPr lang="en-US" altLang="zh-CN" dirty="0" smtClean="0"/>
-          </a:p>
-          <a:p>
-            <a:pPr lvl="1"/>
-            <a:r>
-              <a:rPr lang="zh-CN" altLang="en-US" dirty="0" smtClean="0"/>
-              <a:t>大多数的资源都是用英语写成的，尽管机器翻译很厉害，但却没有了情感和思想。</a:t>
-            </a:r>
-            <a:endParaRPr lang="en-US" altLang="zh-CN" dirty="0" smtClean="0"/>
-          </a:p>
-          <a:p>
-            <a:r>
-              <a:rPr lang="zh-CN" altLang="en-US" dirty="0" smtClean="0"/>
-              <a:t>学会提问</a:t>
-            </a:r>
-            <a:endParaRPr lang="en-US" altLang="zh-CN" dirty="0" smtClean="0"/>
-          </a:p>
-          <a:p>
-            <a:pPr lvl="1"/>
-            <a:r>
-              <a:rPr lang="zh-CN" altLang="en-US" dirty="0" smtClean="0"/>
-              <a:t>提问要</a:t>
-            </a:r>
-            <a:r>
-              <a:rPr lang="zh-CN" altLang="en-US" u="sng" dirty="0" smtClean="0">
-                <a:solidFill>
-                  <a:srgbClr val="FF0000"/>
-                </a:solidFill>
-              </a:rPr>
-              <a:t>明确、清晰而具体</a:t>
-            </a:r>
-            <a:r>
-              <a:rPr lang="zh-CN" altLang="en-US" dirty="0" smtClean="0"/>
-              <a:t>，而不是含糊，宏观的问题</a:t>
-            </a:r>
-            <a:endParaRPr lang="en-US" altLang="zh-CN" dirty="0" smtClean="0"/>
-          </a:p>
-          <a:p>
-            <a:r>
-              <a:rPr lang="zh-CN" altLang="en-US" dirty="0" smtClean="0"/>
-              <a:t>不要做一匹孤狼</a:t>
-            </a:r>
-            <a:endParaRPr lang="en-US" altLang="zh-CN" dirty="0" smtClean="0"/>
-          </a:p>
-          <a:p>
-            <a:pPr lvl="1"/>
-            <a:r>
-              <a:rPr lang="zh-CN" altLang="en-US" dirty="0" smtClean="0"/>
-              <a:t>互联网改变了我们的世界，他的本质就是</a:t>
-            </a:r>
-            <a:r>
-              <a:rPr lang="zh-CN" altLang="en-US" u="sng" dirty="0" smtClean="0">
-                <a:solidFill>
-                  <a:srgbClr val="FF0000"/>
-                </a:solidFill>
-              </a:rPr>
-              <a:t>自由与分享</a:t>
-            </a:r>
-            <a:r>
-              <a:rPr lang="zh-CN" altLang="en-US" dirty="0" smtClean="0"/>
-              <a:t>。不要埋头苦干，自我封闭，而应该</a:t>
-            </a:r>
-            <a:r>
-              <a:rPr lang="zh-CN" altLang="en-US" u="sng" dirty="0" smtClean="0">
-                <a:solidFill>
-                  <a:srgbClr val="FF0000"/>
-                </a:solidFill>
-              </a:rPr>
-              <a:t>开放、分享并乐于助人</a:t>
-            </a:r>
-            <a:r>
-              <a:rPr lang="zh-CN" altLang="en-US" dirty="0" smtClean="0"/>
-              <a:t>。</a:t>
-            </a:r>
-            <a:endParaRPr lang="en-US" altLang="zh-CN" dirty="0" smtClean="0"/>
-          </a:p>
-          <a:p>
-            <a:r>
-              <a:rPr lang="zh-CN" altLang="en-US" dirty="0" smtClean="0"/>
-              <a:t>程序语言入门，</a:t>
-            </a:r>
-            <a:r>
-              <a:rPr lang="zh-CN" altLang="en-US" u="sng" dirty="0"/>
-              <a:t>不在于多而在于</a:t>
-            </a:r>
-            <a:r>
-              <a:rPr lang="zh-CN" altLang="en-US" u="sng" dirty="0" smtClean="0">
-                <a:solidFill>
-                  <a:srgbClr val="FF0000"/>
-                </a:solidFill>
-              </a:rPr>
-              <a:t>精</a:t>
-            </a:r>
-            <a:endParaRPr lang="en-US" altLang="zh-CN" u="sng" dirty="0" smtClean="0">
-              <a:solidFill>
-                <a:srgbClr val="FF0000"/>
-              </a:solidFill>
-            </a:endParaRPr>
-          </a:p>
-          <a:p>
-            <a:pPr lvl="1"/>
-            <a:r>
-              <a:rPr lang="zh-CN" altLang="en-US" dirty="0" smtClean="0"/>
-              <a:t>世上的编程语言多达</a:t>
-            </a:r>
-            <a:r>
-              <a:rPr lang="en-US" altLang="zh-CN" dirty="0" smtClean="0"/>
-              <a:t>100</a:t>
-            </a:r>
-            <a:r>
-              <a:rPr lang="zh-CN" altLang="en-US" dirty="0" smtClean="0"/>
-              <a:t>多种，不知如何选择？那就从</a:t>
-            </a:r>
-            <a:r>
-              <a:rPr lang="en-US" altLang="zh-CN" dirty="0" smtClean="0"/>
-              <a:t>C++</a:t>
-            </a:r>
-            <a:r>
-              <a:rPr lang="zh-CN" altLang="en-US" dirty="0" smtClean="0"/>
-              <a:t>开始。</a:t>
-            </a:r>
-            <a:endParaRPr lang="en-US" altLang="zh-CN" u="sng" dirty="0">
-              <a:solidFill>
-                <a:srgbClr val="FF0000"/>
-              </a:solidFill>
-            </a:endParaRPr>
-          </a:p>
-          <a:p>
-            <a:r>
-              <a:rPr lang="zh-CN" altLang="en-US" dirty="0"/>
-              <a:t>完事开头难，</a:t>
-            </a:r>
-            <a:r>
-              <a:rPr lang="zh-CN" altLang="en-US" u="sng" dirty="0" smtClean="0">
-                <a:solidFill>
-                  <a:srgbClr val="FF0000"/>
-                </a:solidFill>
-              </a:rPr>
-              <a:t>坚持不懈</a:t>
-            </a:r>
-            <a:r>
-              <a:rPr lang="zh-CN" altLang="en-US" dirty="0" smtClean="0"/>
-              <a:t>就</a:t>
-            </a:r>
-            <a:r>
-              <a:rPr lang="zh-CN" altLang="en-US" dirty="0"/>
-              <a:t>会上升到新</a:t>
-            </a:r>
-            <a:r>
-              <a:rPr lang="zh-CN" altLang="en-US" dirty="0" smtClean="0"/>
-              <a:t>境界</a:t>
-            </a:r>
-            <a:endParaRPr lang="en-US" altLang="zh-CN" dirty="0" smtClean="0"/>
-          </a:p>
-          <a:p>
-            <a:pPr lvl="1"/>
-            <a:r>
-              <a:rPr lang="zh-CN" altLang="en-US" dirty="0" smtClean="0"/>
-              <a:t>勇敢跳出“舒适区”，会有不一样的体验</a:t>
-            </a:r>
-            <a:endParaRPr lang="en-US" altLang="zh-CN" dirty="0" smtClean="0"/>
-          </a:p>
-        </p:txBody>
-      </p:sp>
-    </p:spTree>
-    <p:extLst>
-      <p:ext uri="{BB962C8B-B14F-4D97-AF65-F5344CB8AC3E}">
-        <p14:creationId xmlns:p14="http://schemas.microsoft.com/office/powerpoint/2010/main" val="3682327672"/>
-      </p:ext>
-    </p:extLst>
-  </p:cSld>
-  <p:clrMapOvr>
-    <a:masterClrMapping/>
-  </p:clrMapOvr>
-  <p:transition>
-    <p:pull dir="ru"/>
-  </p:transition>
-  <p:timing>
-    <p:tnLst>
-      <p:par>
-        <p:cTn id="1" dur="indefinite" restart="never" nodeType="tmRoot"/>
-      </p:par>
-    </p:tnLst>
-  </p:timing>
-</p:sld>
-</file>
-
 <file path=ppt/slides/slide21.xml><?xml version="1.0" encoding="utf-8"?>
 <p:sld xmlns:a="http://schemas.openxmlformats.org/drawingml/2006/main" xmlns:r="http://schemas.openxmlformats.org/officeDocument/2006/relationships" xmlns:p="http://schemas.openxmlformats.org/presentationml/2006/main">
   <p:cSld>
@@ -12914,8 +13054,13 @@
             </a:r>
             <a:r>
               <a:rPr lang="zh-CN" altLang="en-US" dirty="0"/>
-              <a:t>几点忠告（续）</a:t>
-            </a:r>
+              <a:t>几点</a:t>
+            </a:r>
+            <a:r>
+              <a:rPr lang="zh-CN" altLang="en-US" dirty="0" smtClean="0"/>
+              <a:t>忠告（续）</a:t>
+            </a:r>
+            <a:endParaRPr lang="zh-CN" altLang="en-US" dirty="0"/>
           </a:p>
         </p:txBody>
       </p:sp>
@@ -12936,212 +13081,167 @@
           <a:p>
             <a:r>
               <a:rPr lang="zh-CN" altLang="en-US" dirty="0" smtClean="0"/>
-              <a:t>不要纠结，上路就好</a:t>
+              <a:t>学好英语</a:t>
             </a:r>
             <a:endParaRPr lang="en-US" altLang="zh-CN" dirty="0" smtClean="0"/>
           </a:p>
           <a:p>
             <a:pPr lvl="1"/>
             <a:r>
-              <a:rPr lang="zh-CN" altLang="en-US" dirty="0"/>
-              <a:t>与其踌躇不前，</a:t>
-            </a:r>
-            <a:r>
               <a:rPr lang="zh-CN" altLang="en-US" dirty="0" smtClean="0"/>
-              <a:t>不如保留好奇之心，就此上路</a:t>
+              <a:t>大多数的资源都是用英语写成的，尽管机器翻译很厉害，但却没有了情感和思想。</a:t>
             </a:r>
             <a:endParaRPr lang="en-US" altLang="zh-CN" dirty="0" smtClean="0"/>
           </a:p>
           <a:p>
             <a:r>
               <a:rPr lang="zh-CN" altLang="en-US" dirty="0" smtClean="0"/>
-              <a:t>学习程序的秘诀</a:t>
-            </a:r>
-            <a:endParaRPr lang="en-US" altLang="zh-CN" dirty="0"/>
+              <a:t>学会提问</a:t>
+            </a:r>
+            <a:endParaRPr lang="en-US" altLang="zh-CN" dirty="0" smtClean="0"/>
           </a:p>
           <a:p>
             <a:pPr lvl="1"/>
             <a:r>
               <a:rPr lang="zh-CN" altLang="en-US" dirty="0" smtClean="0"/>
-              <a:t>编程、编程、再编程</a:t>
-            </a:r>
-            <a:endParaRPr lang="en-US" altLang="zh-CN" dirty="0" smtClean="0"/>
-          </a:p>
-          <a:p>
-            <a:pPr lvl="1"/>
-            <a:r>
-              <a:rPr lang="zh-CN" altLang="en-US" dirty="0" smtClean="0"/>
-              <a:t>要</a:t>
-            </a:r>
-            <a:r>
-              <a:rPr lang="zh-CN" altLang="en-US" dirty="0"/>
-              <a:t>说有的话，</a:t>
-            </a:r>
-            <a:r>
-              <a:rPr lang="zh-CN" altLang="en-US" dirty="0" smtClean="0"/>
-              <a:t>那就是</a:t>
-            </a:r>
-            <a:r>
-              <a:rPr lang="zh-CN" altLang="en-US" dirty="0"/>
-              <a:t>上机</a:t>
-            </a:r>
-            <a:r>
-              <a:rPr lang="en-US" altLang="zh-CN" dirty="0">
+              <a:t>提问要</a:t>
+            </a:r>
+            <a:r>
+              <a:rPr lang="zh-CN" altLang="en-US" u="sng" dirty="0" smtClean="0">
                 <a:solidFill>
                   <a:srgbClr val="FF0000"/>
                 </a:solidFill>
               </a:rPr>
-              <a:t>coding</a:t>
-            </a:r>
-            <a:r>
-              <a:rPr lang="zh-CN" altLang="en-US" dirty="0">
+              <a:t>明确、清晰而具体</a:t>
+            </a:r>
+            <a:r>
+              <a:rPr lang="zh-CN" altLang="en-US" dirty="0" smtClean="0"/>
+              <a:t>，而不是含糊，宏观的问题</a:t>
+            </a:r>
+            <a:endParaRPr lang="en-US" altLang="zh-CN" dirty="0" smtClean="0"/>
+          </a:p>
+          <a:p>
+            <a:r>
+              <a:rPr lang="zh-CN" altLang="en-US" dirty="0" smtClean="0"/>
+              <a:t>不要做一匹孤狼</a:t>
+            </a:r>
+            <a:endParaRPr lang="en-US" altLang="zh-CN" dirty="0" smtClean="0"/>
+          </a:p>
+          <a:p>
+            <a:pPr lvl="1"/>
+            <a:r>
+              <a:rPr lang="zh-CN" altLang="en-US" dirty="0" smtClean="0"/>
+              <a:t>互联网改变了我们的世界，他的本质就是</a:t>
+            </a:r>
+            <a:r>
+              <a:rPr lang="zh-CN" altLang="en-US" u="sng" dirty="0" smtClean="0">
                 <a:solidFill>
                   <a:srgbClr val="FF0000"/>
                 </a:solidFill>
               </a:rPr>
-              <a:t>、</a:t>
-            </a:r>
-            <a:r>
-              <a:rPr lang="en-US" altLang="zh-CN" dirty="0">
+              <a:t>自由与分享</a:t>
+            </a:r>
+            <a:r>
+              <a:rPr lang="zh-CN" altLang="en-US" dirty="0" smtClean="0"/>
+              <a:t>。不要埋头苦干，自我封闭，而应该</a:t>
+            </a:r>
+            <a:r>
+              <a:rPr lang="zh-CN" altLang="en-US" u="sng" dirty="0" smtClean="0">
                 <a:solidFill>
                   <a:srgbClr val="FF0000"/>
                 </a:solidFill>
               </a:rPr>
-              <a:t>debug</a:t>
-            </a:r>
-            <a:r>
-              <a:rPr lang="zh-CN" altLang="en-US" dirty="0">
+              <a:t>开放、分享并乐于助人</a:t>
+            </a:r>
+            <a:r>
+              <a:rPr lang="zh-CN" altLang="en-US" dirty="0" smtClean="0"/>
+              <a:t>。</a:t>
+            </a:r>
+            <a:endParaRPr lang="en-US" altLang="zh-CN" dirty="0" smtClean="0"/>
+          </a:p>
+          <a:p>
+            <a:r>
+              <a:rPr lang="zh-CN" altLang="en-US" dirty="0" smtClean="0"/>
+              <a:t>程序语言入门，</a:t>
+            </a:r>
+            <a:r>
+              <a:rPr lang="zh-CN" altLang="en-US" u="sng" dirty="0"/>
+              <a:t>不在于多而在于</a:t>
+            </a:r>
+            <a:r>
+              <a:rPr lang="zh-CN" altLang="en-US" u="sng" dirty="0" smtClean="0">
                 <a:solidFill>
                   <a:srgbClr val="FF0000"/>
                 </a:solidFill>
               </a:rPr>
-              <a:t>、</a:t>
-            </a:r>
-            <a:r>
-              <a:rPr lang="en-US" altLang="zh-CN" dirty="0">
+              <a:t>精</a:t>
+            </a:r>
+            <a:endParaRPr lang="en-US" altLang="zh-CN" u="sng" dirty="0" smtClean="0">
+              <a:solidFill>
+                <a:srgbClr val="FF0000"/>
+              </a:solidFill>
+            </a:endParaRPr>
+          </a:p>
+          <a:p>
+            <a:pPr lvl="1"/>
+            <a:r>
+              <a:rPr lang="zh-CN" altLang="en-US" dirty="0" smtClean="0"/>
+              <a:t>世上的编程语言多达</a:t>
+            </a:r>
+            <a:r>
+              <a:rPr lang="en-US" altLang="zh-CN" dirty="0" smtClean="0"/>
+              <a:t>100</a:t>
+            </a:r>
+            <a:r>
+              <a:rPr lang="zh-CN" altLang="en-US" dirty="0" smtClean="0"/>
+              <a:t>多种，不知如何选择？那就从</a:t>
+            </a:r>
+            <a:r>
+              <a:rPr lang="en-US" altLang="zh-CN" dirty="0" smtClean="0"/>
+              <a:t>C++</a:t>
+            </a:r>
+            <a:r>
+              <a:rPr lang="zh-CN" altLang="en-US" dirty="0" smtClean="0"/>
+              <a:t>开始。</a:t>
+            </a:r>
+            <a:endParaRPr lang="en-US" altLang="zh-CN" u="sng" dirty="0">
+              <a:solidFill>
+                <a:srgbClr val="FF0000"/>
+              </a:solidFill>
+            </a:endParaRPr>
+          </a:p>
+          <a:p>
+            <a:r>
+              <a:rPr lang="zh-CN" altLang="en-US" dirty="0"/>
+              <a:t>完事开头难，</a:t>
+            </a:r>
+            <a:r>
+              <a:rPr lang="zh-CN" altLang="en-US" u="sng" dirty="0" smtClean="0">
                 <a:solidFill>
                   <a:srgbClr val="FF0000"/>
                 </a:solidFill>
               </a:rPr>
-              <a:t>reading and thinking</a:t>
-            </a:r>
-          </a:p>
-          <a:p>
-            <a:pPr eaLnBrk="1" hangingPunct="1">
-              <a:lnSpc>
-                <a:spcPct val="110000"/>
-              </a:lnSpc>
-              <a:spcBef>
-                <a:spcPct val="50000"/>
-              </a:spcBef>
-              <a:defRPr/>
-            </a:pPr>
+              <a:t>坚持不懈</a:t>
+            </a:r>
             <a:r>
               <a:rPr lang="zh-CN" altLang="en-US" dirty="0" smtClean="0"/>
-              <a:t>遇到错误不要惊慌失措</a:t>
+              <a:t>就</a:t>
+            </a:r>
+            <a:r>
+              <a:rPr lang="zh-CN" altLang="en-US" dirty="0"/>
+              <a:t>会上升到新</a:t>
+            </a:r>
+            <a:r>
+              <a:rPr lang="zh-CN" altLang="en-US" dirty="0" smtClean="0"/>
+              <a:t>境界</a:t>
             </a:r>
             <a:endParaRPr lang="en-US" altLang="zh-CN" dirty="0" smtClean="0"/>
           </a:p>
           <a:p>
-            <a:pPr lvl="1" eaLnBrk="1" hangingPunct="1">
-              <a:lnSpc>
-                <a:spcPct val="110000"/>
-              </a:lnSpc>
-              <a:spcBef>
-                <a:spcPct val="50000"/>
-              </a:spcBef>
-              <a:defRPr/>
-            </a:pPr>
+            <a:pPr lvl="1"/>
             <a:r>
               <a:rPr lang="zh-CN" altLang="en-US" dirty="0" smtClean="0"/>
-              <a:t>新的技能就是在不断的犯错、改错中获得的，错误没什么大不了</a:t>
-            </a:r>
-            <a:endParaRPr lang="en-US" altLang="zh-CN" dirty="0" smtClean="0"/>
-          </a:p>
-          <a:p>
-            <a:pPr eaLnBrk="1" hangingPunct="1">
-              <a:lnSpc>
-                <a:spcPct val="110000"/>
-              </a:lnSpc>
-              <a:spcBef>
-                <a:spcPct val="50000"/>
-              </a:spcBef>
-              <a:defRPr/>
-            </a:pPr>
-            <a:r>
-              <a:rPr lang="zh-CN" altLang="en-US" dirty="0" smtClean="0"/>
-              <a:t>入门要正，养成良好的习惯</a:t>
-            </a:r>
-            <a:endParaRPr lang="en-US" altLang="zh-CN" dirty="0" smtClean="0"/>
-          </a:p>
-          <a:p>
-            <a:pPr lvl="1" eaLnBrk="1" hangingPunct="1">
-              <a:lnSpc>
-                <a:spcPct val="110000"/>
-              </a:lnSpc>
-              <a:spcBef>
-                <a:spcPct val="50000"/>
-              </a:spcBef>
-              <a:defRPr/>
-            </a:pPr>
-            <a:r>
-              <a:rPr lang="zh-CN" altLang="en-US" dirty="0" smtClean="0"/>
-              <a:t>细心、遵守编码规范、添加足够的注释</a:t>
-            </a:r>
-            <a:endParaRPr lang="en-US" altLang="zh-CN" dirty="0" smtClean="0"/>
-          </a:p>
-          <a:p>
-            <a:pPr eaLnBrk="1" hangingPunct="1">
-              <a:lnSpc>
-                <a:spcPct val="110000"/>
-              </a:lnSpc>
-              <a:spcBef>
-                <a:spcPct val="50000"/>
-              </a:spcBef>
-              <a:defRPr/>
-            </a:pPr>
-            <a:r>
-              <a:rPr lang="zh-CN" altLang="en-US" dirty="0" smtClean="0"/>
-              <a:t>请热爱</a:t>
-            </a:r>
-            <a:r>
-              <a:rPr lang="en-US" altLang="zh-CN" dirty="0" smtClean="0"/>
-              <a:t>C++</a:t>
-            </a:r>
-            <a:r>
-              <a:rPr lang="zh-CN" altLang="en-US" dirty="0" smtClean="0"/>
-              <a:t>！</a:t>
-            </a:r>
-            <a:r>
-              <a:rPr lang="en-US" altLang="zh-CN" b="1" dirty="0" smtClean="0">
-                <a:effectLst>
-                  <a:outerShdw blurRad="38100" dist="38100" dir="2700000" algn="tl">
-                    <a:srgbClr val="C0C0C0"/>
-                  </a:outerShdw>
-                </a:effectLst>
-                <a:latin typeface="Times New Roman" pitchFamily="18" charset="0"/>
-                <a:ea typeface="黑体" pitchFamily="2" charset="-122"/>
-              </a:rPr>
-              <a:t> </a:t>
-            </a:r>
-          </a:p>
-          <a:p>
-            <a:pPr lvl="1" eaLnBrk="1" hangingPunct="1">
-              <a:lnSpc>
-                <a:spcPct val="110000"/>
-              </a:lnSpc>
-              <a:spcBef>
-                <a:spcPct val="50000"/>
-              </a:spcBef>
-              <a:defRPr/>
-            </a:pPr>
-            <a:r>
-              <a:rPr lang="zh-CN" altLang="en-US" dirty="0"/>
-              <a:t>没有真心的付出，是没有资格</a:t>
-            </a:r>
-            <a:r>
-              <a:rPr lang="zh-CN" altLang="en-US" dirty="0" smtClean="0"/>
-              <a:t>评价编程语言优劣的 </a:t>
+              <a:t>勇敢跳出“舒适区”，会有不一样的体验</a:t>
             </a:r>
             <a:endParaRPr lang="en-US" altLang="zh-CN" dirty="0" smtClean="0"/>
           </a:p>
@@ -13150,7 +13250,7 @@
     </p:spTree>
     <p:extLst>
       <p:ext uri="{BB962C8B-B14F-4D97-AF65-F5344CB8AC3E}">
-        <p14:creationId xmlns:p14="http://schemas.microsoft.com/office/powerpoint/2010/main" val="2358550810"/>
+        <p14:creationId xmlns:p14="http://schemas.microsoft.com/office/powerpoint/2010/main" val="3682327672"/>
       </p:ext>
     </p:extLst>
   </p:cSld>
@@ -13203,10 +13303,17 @@
           <a:lstStyle/>
           <a:p>
             <a:r>
-              <a:rPr lang="zh-CN" altLang="en-US" dirty="0" smtClean="0"/>
-              <a:t>电子资源与参考资料</a:t>
-            </a:r>
-            <a:endParaRPr lang="zh-CN" altLang="en-US" dirty="0"/>
+              <a:rPr lang="zh-CN" altLang="en-US" dirty="0"/>
+              <a:t>程序设计入门</a:t>
+            </a:r>
+            <a:r>
+              <a:rPr lang="en-US" altLang="zh-CN" dirty="0"/>
+              <a:t>——</a:t>
+            </a:r>
+            <a:r>
+              <a:rPr lang="zh-CN" altLang="en-US" dirty="0"/>
+              <a:t>几点忠告（续）</a:t>
+            </a:r>
           </a:p>
         </p:txBody>
       </p:sp>
@@ -13227,6 +13334,297 @@
           <a:p>
             <a:r>
               <a:rPr lang="zh-CN" altLang="en-US" dirty="0" smtClean="0"/>
+              <a:t>不要纠结，上路就好</a:t>
+            </a:r>
+            <a:endParaRPr lang="en-US" altLang="zh-CN" dirty="0" smtClean="0"/>
+          </a:p>
+          <a:p>
+            <a:pPr lvl="1"/>
+            <a:r>
+              <a:rPr lang="zh-CN" altLang="en-US" dirty="0"/>
+              <a:t>与其踌躇不前，</a:t>
+            </a:r>
+            <a:r>
+              <a:rPr lang="zh-CN" altLang="en-US" dirty="0" smtClean="0"/>
+              <a:t>不如保留好奇之心，就此上路</a:t>
+            </a:r>
+            <a:endParaRPr lang="en-US" altLang="zh-CN" dirty="0" smtClean="0"/>
+          </a:p>
+          <a:p>
+            <a:r>
+              <a:rPr lang="zh-CN" altLang="en-US" dirty="0" smtClean="0"/>
+              <a:t>学习程序的秘诀</a:t>
+            </a:r>
+            <a:endParaRPr lang="en-US" altLang="zh-CN" dirty="0"/>
+          </a:p>
+          <a:p>
+            <a:pPr lvl="1"/>
+            <a:r>
+              <a:rPr lang="zh-CN" altLang="en-US" dirty="0" smtClean="0"/>
+              <a:t>编程、编程、再编程</a:t>
+            </a:r>
+            <a:endParaRPr lang="en-US" altLang="zh-CN" dirty="0" smtClean="0"/>
+          </a:p>
+          <a:p>
+            <a:pPr lvl="1"/>
+            <a:r>
+              <a:rPr lang="zh-CN" altLang="en-US" dirty="0" smtClean="0"/>
+              <a:t>要</a:t>
+            </a:r>
+            <a:r>
+              <a:rPr lang="zh-CN" altLang="en-US" dirty="0"/>
+              <a:t>说有的话，</a:t>
+            </a:r>
+            <a:r>
+              <a:rPr lang="zh-CN" altLang="en-US" dirty="0" smtClean="0"/>
+              <a:t>那就是</a:t>
+            </a:r>
+            <a:r>
+              <a:rPr lang="zh-CN" altLang="en-US" dirty="0"/>
+              <a:t>上机</a:t>
+            </a:r>
+            <a:r>
+              <a:rPr lang="en-US" altLang="zh-CN" dirty="0">
+                <a:solidFill>
+                  <a:srgbClr val="FF0000"/>
+                </a:solidFill>
+              </a:rPr>
+              <a:t>coding</a:t>
+            </a:r>
+            <a:r>
+              <a:rPr lang="zh-CN" altLang="en-US" dirty="0">
+                <a:solidFill>
+                  <a:srgbClr val="FF0000"/>
+                </a:solidFill>
+              </a:rPr>
+              <a:t>、</a:t>
+            </a:r>
+            <a:r>
+              <a:rPr lang="en-US" altLang="zh-CN" dirty="0">
+                <a:solidFill>
+                  <a:srgbClr val="FF0000"/>
+                </a:solidFill>
+              </a:rPr>
+              <a:t>debug</a:t>
+            </a:r>
+            <a:r>
+              <a:rPr lang="zh-CN" altLang="en-US" dirty="0">
+                <a:solidFill>
+                  <a:srgbClr val="FF0000"/>
+                </a:solidFill>
+              </a:rPr>
+              <a:t>、</a:t>
+            </a:r>
+            <a:r>
+              <a:rPr lang="en-US" altLang="zh-CN" dirty="0">
+                <a:solidFill>
+                  <a:srgbClr val="FF0000"/>
+                </a:solidFill>
+              </a:rPr>
+              <a:t>reading and thinking</a:t>
+            </a:r>
+          </a:p>
+          <a:p>
+            <a:pPr eaLnBrk="1" hangingPunct="1">
+              <a:lnSpc>
+                <a:spcPct val="110000"/>
+              </a:lnSpc>
+              <a:spcBef>
+                <a:spcPct val="50000"/>
+              </a:spcBef>
+              <a:defRPr/>
+            </a:pPr>
+            <a:r>
+              <a:rPr lang="zh-CN" altLang="en-US" dirty="0" smtClean="0"/>
+              <a:t>遇到错误不要惊慌失措</a:t>
+            </a:r>
+            <a:endParaRPr lang="en-US" altLang="zh-CN" dirty="0" smtClean="0"/>
+          </a:p>
+          <a:p>
+            <a:pPr lvl="1" eaLnBrk="1" hangingPunct="1">
+              <a:lnSpc>
+                <a:spcPct val="110000"/>
+              </a:lnSpc>
+              <a:spcBef>
+                <a:spcPct val="50000"/>
+              </a:spcBef>
+              <a:defRPr/>
+            </a:pPr>
+            <a:r>
+              <a:rPr lang="zh-CN" altLang="en-US" dirty="0" smtClean="0"/>
+              <a:t>新的技能就是在不断的犯错、改错中获得的，错误没什么大不了</a:t>
+            </a:r>
+            <a:endParaRPr lang="en-US" altLang="zh-CN" dirty="0" smtClean="0"/>
+          </a:p>
+          <a:p>
+            <a:pPr eaLnBrk="1" hangingPunct="1">
+              <a:lnSpc>
+                <a:spcPct val="110000"/>
+              </a:lnSpc>
+              <a:spcBef>
+                <a:spcPct val="50000"/>
+              </a:spcBef>
+              <a:defRPr/>
+            </a:pPr>
+            <a:r>
+              <a:rPr lang="zh-CN" altLang="en-US" dirty="0" smtClean="0"/>
+              <a:t>入门要正，养成良好的习惯</a:t>
+            </a:r>
+            <a:endParaRPr lang="en-US" altLang="zh-CN" dirty="0" smtClean="0"/>
+          </a:p>
+          <a:p>
+            <a:pPr lvl="1" eaLnBrk="1" hangingPunct="1">
+              <a:lnSpc>
+                <a:spcPct val="110000"/>
+              </a:lnSpc>
+              <a:spcBef>
+                <a:spcPct val="50000"/>
+              </a:spcBef>
+              <a:defRPr/>
+            </a:pPr>
+            <a:r>
+              <a:rPr lang="zh-CN" altLang="en-US" dirty="0" smtClean="0"/>
+              <a:t>细心、遵守编码规范、添加足够的注释</a:t>
+            </a:r>
+            <a:endParaRPr lang="en-US" altLang="zh-CN" dirty="0" smtClean="0"/>
+          </a:p>
+          <a:p>
+            <a:pPr eaLnBrk="1" hangingPunct="1">
+              <a:lnSpc>
+                <a:spcPct val="110000"/>
+              </a:lnSpc>
+              <a:spcBef>
+                <a:spcPct val="50000"/>
+              </a:spcBef>
+              <a:defRPr/>
+            </a:pPr>
+            <a:r>
+              <a:rPr lang="zh-CN" altLang="en-US" dirty="0" smtClean="0"/>
+              <a:t>请热爱</a:t>
+            </a:r>
+            <a:r>
+              <a:rPr lang="en-US" altLang="zh-CN" dirty="0" smtClean="0"/>
+              <a:t>C++</a:t>
+            </a:r>
+            <a:r>
+              <a:rPr lang="zh-CN" altLang="en-US" dirty="0" smtClean="0"/>
+              <a:t>！</a:t>
+            </a:r>
+            <a:r>
+              <a:rPr lang="en-US" altLang="zh-CN" b="1" dirty="0" smtClean="0">
+                <a:effectLst>
+                  <a:outerShdw blurRad="38100" dist="38100" dir="2700000" algn="tl">
+                    <a:srgbClr val="C0C0C0"/>
+                  </a:outerShdw>
+                </a:effectLst>
+                <a:latin typeface="Times New Roman" pitchFamily="18" charset="0"/>
+                <a:ea typeface="黑体" pitchFamily="2" charset="-122"/>
+              </a:rPr>
+              <a:t> </a:t>
+            </a:r>
+          </a:p>
+          <a:p>
+            <a:pPr lvl="1" eaLnBrk="1" hangingPunct="1">
+              <a:lnSpc>
+                <a:spcPct val="110000"/>
+              </a:lnSpc>
+              <a:spcBef>
+                <a:spcPct val="50000"/>
+              </a:spcBef>
+              <a:defRPr/>
+            </a:pPr>
+            <a:r>
+              <a:rPr lang="zh-CN" altLang="en-US" dirty="0"/>
+              <a:t>没有真心的付出，是没有资格</a:t>
+            </a:r>
+            <a:r>
+              <a:rPr lang="zh-CN" altLang="en-US" dirty="0" smtClean="0"/>
+              <a:t>评价编程语言优劣的 </a:t>
+            </a:r>
+            <a:endParaRPr lang="en-US" altLang="zh-CN" dirty="0" smtClean="0"/>
+          </a:p>
+        </p:txBody>
+      </p:sp>
+    </p:spTree>
+    <p:extLst>
+      <p:ext uri="{BB962C8B-B14F-4D97-AF65-F5344CB8AC3E}">
+        <p14:creationId xmlns:p14="http://schemas.microsoft.com/office/powerpoint/2010/main" val="2358550810"/>
+      </p:ext>
+    </p:extLst>
+  </p:cSld>
+  <p:clrMapOvr>
+    <a:masterClrMapping/>
+  </p:clrMapOvr>
+  <p:transition>
+    <p:pull dir="ru"/>
+  </p:transition>
+  <p:timing>
+    <p:tnLst>
+      <p:par>
+        <p:cTn id="1" dur="indefinite" restart="never" nodeType="tmRoot"/>
+      </p:par>
+    </p:tnLst>
+  </p:timing>
+</p:sld>
+</file>
+
+<file path=ppt/slides/slide23.xml><?xml version="1.0" encoding="utf-8"?>
+<p:sld xmlns:a="http://schemas.openxmlformats.org/drawingml/2006/main" xmlns:r="http://schemas.openxmlformats.org/officeDocument/2006/relationships" xmlns:p="http://schemas.openxmlformats.org/presentationml/2006/main">
+  <p:cSld>
+    <p:spTree>
+      <p:nvGrpSpPr>
+        <p:cNvPr id="1" name=""/>
+        <p:cNvGrpSpPr/>
+        <p:nvPr/>
+      </p:nvGrpSpPr>
+      <p:grpSpPr>
+        <a:xfrm>
+          <a:off x="0" y="0"/>
+          <a:ext cx="0" cy="0"/>
+          <a:chOff x="0" y="0"/>
+          <a:chExt cx="0" cy="0"/>
+        </a:xfrm>
+      </p:grpSpPr>
+      <p:sp>
+        <p:nvSpPr>
+          <p:cNvPr id="2" name="标题 1"/>
+          <p:cNvSpPr>
+            <a:spLocks noGrp="1"/>
+          </p:cNvSpPr>
+          <p:nvPr>
+            <p:ph type="title"/>
+          </p:nvPr>
+        </p:nvSpPr>
+        <p:spPr/>
+        <p:txBody>
+          <a:bodyPr/>
+          <a:lstStyle/>
+          <a:p>
+            <a:r>
+              <a:rPr lang="zh-CN" altLang="en-US" dirty="0" smtClean="0"/>
+              <a:t>电子资源与参考资料</a:t>
+            </a:r>
+            <a:endParaRPr lang="zh-CN" altLang="en-US" dirty="0"/>
+          </a:p>
+        </p:txBody>
+      </p:sp>
+      <p:sp>
+        <p:nvSpPr>
+          <p:cNvPr id="3" name="内容占位符 2"/>
+          <p:cNvSpPr>
+            <a:spLocks noGrp="1"/>
+          </p:cNvSpPr>
+          <p:nvPr>
+            <p:ph idx="1"/>
+          </p:nvPr>
+        </p:nvSpPr>
+        <p:spPr/>
+        <p:txBody>
+          <a:bodyPr/>
+          <a:lstStyle/>
+          <a:p>
+            <a:r>
+              <a:rPr lang="zh-CN" altLang="en-US" dirty="0" smtClean="0"/>
               <a:t>网络课程</a:t>
             </a:r>
             <a:endParaRPr lang="en-US" altLang="zh-CN" dirty="0" smtClean="0"/>
@@ -13291,7 +13689,6 @@
               <a:rPr lang="en-US" altLang="zh-CN" dirty="0" smtClean="0"/>
               <a:t>www.code.org</a:t>
             </a:r>
-            <a:endParaRPr lang="en-US" altLang="zh-CN" dirty="0" smtClean="0"/>
           </a:p>
           <a:p>
             <a:r>
@@ -13306,13 +13703,7 @@
               <a:rPr lang="zh-CN" altLang="en-US" dirty="0" smtClean="0">
                 <a:hlinkClick r:id="rId4"/>
               </a:rPr>
-              <a:t>中国</a:t>
-            </a:r>
-            <a:r>
-              <a:rPr lang="zh-CN" altLang="en-US" dirty="0" smtClean="0">
-                <a:hlinkClick r:id="rId4"/>
-              </a:rPr>
-              <a:t>最大的</a:t>
+              <a:t>中国最大的</a:t>
             </a:r>
             <a:r>
               <a:rPr lang="en-US" altLang="zh-CN" dirty="0" smtClean="0">
@@ -13432,7 +13823,7 @@
 </p:sld>
 </file>
 
-<file path=ppt/slides/slide23.xml><?xml version="1.0" encoding="utf-8"?>
+<file path=ppt/slides/slide24.xml><?xml version="1.0" encoding="utf-8"?>
 <p:sld xmlns:a="http://schemas.openxmlformats.org/drawingml/2006/main" xmlns:r="http://schemas.openxmlformats.org/officeDocument/2006/relationships" xmlns:p="http://schemas.openxmlformats.org/presentationml/2006/main">
   <p:cSld>
     <p:spTree>
